--- a/basic_tool/linux-webserver/Linux基础与Web Server(1).pptx
+++ b/basic_tool/linux-webserver/Linux基础与Web Server(1).pptx
@@ -240,7 +240,7 @@
           <a:p>
             <a:fld id="{660521AB-6F5F-4C20-BA3A-65FB195BEFD8}" type="datetimeFigureOut">
               <a:rPr lang="zh-CN" altLang="en-US" smtClean="0"/>
-              <a:t>2020/6/20</a:t>
+              <a:t>2020/6/23</a:t>
             </a:fld>
             <a:endParaRPr lang="zh-CN" altLang="en-US"/>
           </a:p>
@@ -1886,7 +1886,7 @@
             <a:fld id="{5586B75A-687E-405C-8A0B-8D00578BA2C3}" type="datetimeFigureOut">
               <a:rPr lang="en-US" smtClean="0"/>
               <a:pPr/>
-              <a:t>6/20/2020</a:t>
+              <a:t>6/23/2020</a:t>
             </a:fld>
             <a:endParaRPr lang="en-US" dirty="0"/>
           </a:p>
@@ -2058,7 +2058,7 @@
             <a:fld id="{5586B75A-687E-405C-8A0B-8D00578BA2C3}" type="datetimeFigureOut">
               <a:rPr lang="en-US" smtClean="0"/>
               <a:pPr/>
-              <a:t>6/20/2020</a:t>
+              <a:t>6/23/2020</a:t>
             </a:fld>
             <a:endParaRPr lang="en-US" dirty="0"/>
           </a:p>
@@ -2283,7 +2283,7 @@
             <a:fld id="{5586B75A-687E-405C-8A0B-8D00578BA2C3}" type="datetimeFigureOut">
               <a:rPr lang="en-US" smtClean="0"/>
               <a:pPr/>
-              <a:t>6/20/2020</a:t>
+              <a:t>6/23/2020</a:t>
             </a:fld>
             <a:endParaRPr lang="en-US" dirty="0"/>
           </a:p>
@@ -2475,7 +2475,7 @@
             <a:fld id="{5586B75A-687E-405C-8A0B-8D00578BA2C3}" type="datetimeFigureOut">
               <a:rPr lang="en-US" smtClean="0"/>
               <a:pPr/>
-              <a:t>6/20/2020</a:t>
+              <a:t>6/23/2020</a:t>
             </a:fld>
             <a:endParaRPr lang="en-US" dirty="0"/>
           </a:p>
@@ -2783,7 +2783,7 @@
             <a:fld id="{5586B75A-687E-405C-8A0B-8D00578BA2C3}" type="datetimeFigureOut">
               <a:rPr lang="en-US" smtClean="0"/>
               <a:pPr/>
-              <a:t>6/20/2020</a:t>
+              <a:t>6/23/2020</a:t>
             </a:fld>
             <a:endParaRPr lang="en-US" dirty="0"/>
           </a:p>
@@ -3089,7 +3089,7 @@
             <a:fld id="{5586B75A-687E-405C-8A0B-8D00578BA2C3}" type="datetimeFigureOut">
               <a:rPr lang="en-US" smtClean="0"/>
               <a:pPr/>
-              <a:t>6/20/2020</a:t>
+              <a:t>6/23/2020</a:t>
             </a:fld>
             <a:endParaRPr lang="en-US" dirty="0"/>
           </a:p>
@@ -3513,7 +3513,7 @@
             <a:fld id="{5586B75A-687E-405C-8A0B-8D00578BA2C3}" type="datetimeFigureOut">
               <a:rPr lang="en-US" smtClean="0"/>
               <a:pPr/>
-              <a:t>6/20/2020</a:t>
+              <a:t>6/23/2020</a:t>
             </a:fld>
             <a:endParaRPr lang="en-US" dirty="0"/>
           </a:p>
@@ -3633,7 +3633,7 @@
             <a:fld id="{5586B75A-687E-405C-8A0B-8D00578BA2C3}" type="datetimeFigureOut">
               <a:rPr lang="en-US" smtClean="0"/>
               <a:pPr/>
-              <a:t>6/20/2020</a:t>
+              <a:t>6/23/2020</a:t>
             </a:fld>
             <a:endParaRPr lang="en-US" dirty="0"/>
           </a:p>
@@ -3730,7 +3730,7 @@
             <a:fld id="{5586B75A-687E-405C-8A0B-8D00578BA2C3}" type="datetimeFigureOut">
               <a:rPr lang="en-US" smtClean="0"/>
               <a:pPr/>
-              <a:t>6/20/2020</a:t>
+              <a:t>6/23/2020</a:t>
             </a:fld>
             <a:endParaRPr lang="en-US" dirty="0"/>
           </a:p>
@@ -4005,7 +4005,7 @@
             <a:fld id="{5586B75A-687E-405C-8A0B-8D00578BA2C3}" type="datetimeFigureOut">
               <a:rPr lang="en-US" smtClean="0"/>
               <a:pPr/>
-              <a:t>6/20/2020</a:t>
+              <a:t>6/23/2020</a:t>
             </a:fld>
             <a:endParaRPr lang="en-US" dirty="0"/>
           </a:p>
@@ -4272,7 +4272,7 @@
             <a:fld id="{5586B75A-687E-405C-8A0B-8D00578BA2C3}" type="datetimeFigureOut">
               <a:rPr lang="en-US" smtClean="0"/>
               <a:pPr/>
-              <a:t>6/20/2020</a:t>
+              <a:t>6/23/2020</a:t>
             </a:fld>
             <a:endParaRPr lang="en-US" dirty="0"/>
           </a:p>
@@ -4523,7 +4523,7 @@
             <a:fld id="{5586B75A-687E-405C-8A0B-8D00578BA2C3}" type="datetimeFigureOut">
               <a:rPr lang="en-US" smtClean="0"/>
               <a:pPr/>
-              <a:t>6/20/2020</a:t>
+              <a:t>6/23/2020</a:t>
             </a:fld>
             <a:endParaRPr lang="en-US" dirty="0"/>
           </a:p>
@@ -7693,8 +7693,8 @@
         </p:nvSpPr>
         <p:spPr>
           <a:xfrm>
-            <a:off x="685019" y="1544783"/>
-            <a:ext cx="7772400" cy="2770908"/>
+            <a:off x="334037" y="1544780"/>
+            <a:ext cx="2797090" cy="4883727"/>
           </a:xfrm>
         </p:spPr>
         <p:txBody>
@@ -7740,6 +7740,53 @@
           </a:p>
         </p:txBody>
       </p:sp>
+      <p:pic>
+        <p:nvPicPr>
+          <p:cNvPr id="5" name="Picture 2">
+            <a:extLst>
+              <a:ext uri="{FF2B5EF4-FFF2-40B4-BE49-F238E27FC236}">
+                <a16:creationId xmlns:a16="http://schemas.microsoft.com/office/drawing/2014/main" id="{C218099C-782A-40FF-ADBB-C7F8E500D918}"/>
+              </a:ext>
+            </a:extLst>
+          </p:cNvPr>
+          <p:cNvPicPr>
+            <a:picLocks noChangeAspect="1" noChangeArrowheads="1"/>
+          </p:cNvPicPr>
+          <p:nvPr/>
+        </p:nvPicPr>
+        <p:blipFill>
+          <a:blip r:embed="rId3">
+            <a:extLst>
+              <a:ext uri="{28A0092B-C50C-407E-A947-70E740481C1C}">
+                <a14:useLocalDpi xmlns:a14="http://schemas.microsoft.com/office/drawing/2010/main" val="0"/>
+              </a:ext>
+            </a:extLst>
+          </a:blip>
+          <a:srcRect/>
+          <a:stretch>
+            <a:fillRect/>
+          </a:stretch>
+        </p:blipFill>
+        <p:spPr bwMode="auto">
+          <a:xfrm>
+            <a:off x="3131127" y="1724385"/>
+            <a:ext cx="5966884" cy="4155065"/>
+          </a:xfrm>
+          <a:prstGeom prst="rect">
+            <a:avLst/>
+          </a:prstGeom>
+          <a:noFill/>
+          <a:extLst>
+            <a:ext uri="{909E8E84-426E-40DD-AFC4-6F175D3DCCD1}">
+              <a14:hiddenFill xmlns:a14="http://schemas.microsoft.com/office/drawing/2010/main">
+                <a:solidFill>
+                  <a:srgbClr val="FFFFFF"/>
+                </a:solidFill>
+              </a14:hiddenFill>
+            </a:ext>
+          </a:extLst>
+        </p:spPr>
+      </p:pic>
     </p:spTree>
     <p:extLst>
       <p:ext uri="{BB962C8B-B14F-4D97-AF65-F5344CB8AC3E}">
